--- a/NN_1243.pptx
+++ b/NN_1243.pptx
@@ -2,16 +2,17 @@
 <file path=ppt/presentation.xml><?xml version="1.0" encoding="utf-8"?>
 <p:presentation xmlns:a="http://schemas.openxmlformats.org/drawingml/2006/main" xmlns:r="http://schemas.openxmlformats.org/officeDocument/2006/relationships" xmlns:p="http://schemas.openxmlformats.org/presentationml/2006/main" saveSubsetFonts="1">
   <p:sldMasterIdLst>
-    <p:sldMasterId id="2147483648" r:id="rId1"/>
+    <p:sldMasterId id="2147483648" r:id="rId4"/>
   </p:sldMasterIdLst>
   <p:sldIdLst>
-    <p:sldId id="256" r:id="rId2"/>
-    <p:sldId id="257" r:id="rId3"/>
-    <p:sldId id="258" r:id="rId4"/>
-    <p:sldId id="259" r:id="rId5"/>
-    <p:sldId id="260" r:id="rId6"/>
-    <p:sldId id="261" r:id="rId7"/>
-    <p:sldId id="262" r:id="rId8"/>
+    <p:sldId id="263" r:id="rId5"/>
+    <p:sldId id="256" r:id="rId6"/>
+    <p:sldId id="257" r:id="rId7"/>
+    <p:sldId id="258" r:id="rId8"/>
+    <p:sldId id="259" r:id="rId9"/>
+    <p:sldId id="260" r:id="rId10"/>
+    <p:sldId id="261" r:id="rId11"/>
+    <p:sldId id="262" r:id="rId12"/>
   </p:sldIdLst>
   <p:sldSz cx="12192000" cy="6858000"/>
   <p:notesSz cx="6858000" cy="9144000"/>
@@ -116,14 +117,6 @@
     </p:ext>
   </p:extLst>
 </p:presentation>
-</file>
-
-<file path=ppt/revisionInfo.xml><?xml version="1.0" encoding="utf-8"?>
-<p1510:revInfo xmlns:a="http://schemas.openxmlformats.org/drawingml/2006/main" xmlns:r="http://schemas.openxmlformats.org/officeDocument/2006/relationships" xmlns:p1510="http://schemas.microsoft.com/office/powerpoint/2015/10/main">
-  <p1510:revLst>
-    <p1510:client id="{FB16B8CA-F52B-48A3-9B89-4A43929CB0B0}" v="8" dt="2024-07-23T23:44:00.707"/>
-  </p1510:revLst>
-</p1510:revInfo>
 </file>
 
 <file path=ppt/slideLayouts/slideLayout1.xml><?xml version="1.0" encoding="utf-8"?>
@@ -3347,6 +3340,232 @@
 <file path=ppt/slides/slide1.xml><?xml version="1.0" encoding="utf-8"?>
 <p:sld xmlns:a="http://schemas.openxmlformats.org/drawingml/2006/main" xmlns:r="http://schemas.openxmlformats.org/officeDocument/2006/relationships" xmlns:p="http://schemas.openxmlformats.org/presentationml/2006/main">
   <p:cSld>
+    <p:spTree>
+      <p:nvGrpSpPr>
+        <p:cNvPr id="1" name=""/>
+        <p:cNvGrpSpPr/>
+        <p:nvPr/>
+      </p:nvGrpSpPr>
+      <p:grpSpPr>
+        <a:xfrm>
+          <a:off x="0" y="0"/>
+          <a:ext cx="0" cy="0"/>
+          <a:chOff x="0" y="0"/>
+          <a:chExt cx="0" cy="0"/>
+        </a:xfrm>
+      </p:grpSpPr>
+      <p:sp>
+        <p:nvSpPr>
+          <p:cNvPr id="2" name="Title 1">
+            <a:extLst>
+              <a:ext uri="{FF2B5EF4-FFF2-40B4-BE49-F238E27FC236}">
+                <a16:creationId xmlns:a16="http://schemas.microsoft.com/office/drawing/2014/main" id="{63D02CCB-DE1B-ED38-513F-B1BEB7BB2F75}"/>
+              </a:ext>
+            </a:extLst>
+          </p:cNvPr>
+          <p:cNvSpPr>
+            <a:spLocks noGrp="1"/>
+          </p:cNvSpPr>
+          <p:nvPr>
+            <p:ph type="title"/>
+          </p:nvPr>
+        </p:nvSpPr>
+        <p:spPr>
+          <a:xfrm>
+            <a:off x="676208" y="1148691"/>
+            <a:ext cx="10515600" cy="2239692"/>
+          </a:xfrm>
+        </p:spPr>
+        <p:txBody>
+          <a:bodyPr>
+            <a:normAutofit fontScale="90000"/>
+          </a:bodyPr>
+          <a:lstStyle/>
+          <a:p>
+            <a:r>
+              <a:rPr lang="en-US" b="1" dirty="0"/>
+              <a:t>Artificial Neural Networks for Microwave Computer-Aided Design: The State of the Art</a:t>
+            </a:r>
+            <a:endParaRPr lang="en-IN" b="1" dirty="0"/>
+          </a:p>
+        </p:txBody>
+      </p:sp>
+      <p:sp>
+        <p:nvSpPr>
+          <p:cNvPr id="3" name="Text Placeholder 2">
+            <a:extLst>
+              <a:ext uri="{FF2B5EF4-FFF2-40B4-BE49-F238E27FC236}">
+                <a16:creationId xmlns:a16="http://schemas.microsoft.com/office/drawing/2014/main" id="{FA8E3529-B937-B4EF-29FC-B0EDA84924C0}"/>
+              </a:ext>
+            </a:extLst>
+          </p:cNvPr>
+          <p:cNvSpPr>
+            <a:spLocks noGrp="1"/>
+          </p:cNvSpPr>
+          <p:nvPr>
+            <p:ph type="body" idx="1"/>
+          </p:nvPr>
+        </p:nvSpPr>
+        <p:spPr>
+          <a:xfrm>
+            <a:off x="676208" y="3675063"/>
+            <a:ext cx="10515600" cy="1500187"/>
+          </a:xfrm>
+        </p:spPr>
+        <p:txBody>
+          <a:bodyPr>
+            <a:normAutofit/>
+          </a:bodyPr>
+          <a:lstStyle/>
+          <a:p>
+            <a:r>
+              <a:rPr lang="en-IN" b="1" dirty="0">
+                <a:solidFill>
+                  <a:schemeClr val="tx1"/>
+                </a:solidFill>
+                <a:ea typeface="+mj-ea"/>
+                <a:cs typeface="+mj-cs"/>
+              </a:rPr>
+              <a:t>Authors:</a:t>
+            </a:r>
+          </a:p>
+          <a:p>
+            <a:r>
+              <a:rPr lang="en-IN" b="1" dirty="0">
+                <a:solidFill>
+                  <a:schemeClr val="tx1"/>
+                </a:solidFill>
+                <a:ea typeface="+mj-ea"/>
+                <a:cs typeface="+mj-cs"/>
+              </a:rPr>
+              <a:t>Feng </a:t>
+            </a:r>
+            <a:r>
+              <a:rPr lang="en-IN" b="1" dirty="0" err="1">
+                <a:solidFill>
+                  <a:schemeClr val="tx1"/>
+                </a:solidFill>
+                <a:ea typeface="+mj-ea"/>
+                <a:cs typeface="+mj-cs"/>
+              </a:rPr>
+              <a:t>Feng</a:t>
+            </a:r>
+            <a:r>
+              <a:rPr lang="en-IN" b="1" dirty="0">
+                <a:solidFill>
+                  <a:schemeClr val="tx1"/>
+                </a:solidFill>
+                <a:ea typeface="+mj-ea"/>
+                <a:cs typeface="+mj-cs"/>
+              </a:rPr>
+              <a:t> , </a:t>
+            </a:r>
+            <a:r>
+              <a:rPr lang="en-IN" b="1" dirty="0" err="1">
+                <a:solidFill>
+                  <a:schemeClr val="tx1"/>
+                </a:solidFill>
+                <a:ea typeface="+mj-ea"/>
+                <a:cs typeface="+mj-cs"/>
+              </a:rPr>
+              <a:t>Weicong</a:t>
+            </a:r>
+            <a:r>
+              <a:rPr lang="en-IN" b="1" dirty="0">
+                <a:solidFill>
+                  <a:schemeClr val="tx1"/>
+                </a:solidFill>
+                <a:ea typeface="+mj-ea"/>
+                <a:cs typeface="+mj-cs"/>
+              </a:rPr>
+              <a:t> Na , Jing Jin, </a:t>
+            </a:r>
+            <a:r>
+              <a:rPr lang="en-IN" b="1" dirty="0" err="1">
+                <a:solidFill>
+                  <a:schemeClr val="tx1"/>
+                </a:solidFill>
+                <a:ea typeface="+mj-ea"/>
+                <a:cs typeface="+mj-cs"/>
+              </a:rPr>
+              <a:t>Jianan</a:t>
+            </a:r>
+            <a:r>
+              <a:rPr lang="en-IN" b="1" dirty="0">
+                <a:solidFill>
+                  <a:schemeClr val="tx1"/>
+                </a:solidFill>
+                <a:ea typeface="+mj-ea"/>
+                <a:cs typeface="+mj-cs"/>
+              </a:rPr>
+              <a:t> Zhang , Wei Zhang, and Qi-Jun Zhang</a:t>
+            </a:r>
+          </a:p>
+        </p:txBody>
+      </p:sp>
+      <p:sp>
+        <p:nvSpPr>
+          <p:cNvPr id="4" name="TextBox 3">
+            <a:extLst>
+              <a:ext uri="{FF2B5EF4-FFF2-40B4-BE49-F238E27FC236}">
+                <a16:creationId xmlns:a16="http://schemas.microsoft.com/office/drawing/2014/main" id="{E70BA6D4-7C0B-6D25-2556-593849AB00C1}"/>
+              </a:ext>
+            </a:extLst>
+          </p:cNvPr>
+          <p:cNvSpPr txBox="1"/>
+          <p:nvPr/>
+        </p:nvSpPr>
+        <p:spPr>
+          <a:xfrm>
+            <a:off x="9280187" y="5461930"/>
+            <a:ext cx="2200795" cy="830997"/>
+          </a:xfrm>
+          <a:prstGeom prst="rect">
+            <a:avLst/>
+          </a:prstGeom>
+          <a:noFill/>
+        </p:spPr>
+        <p:txBody>
+          <a:bodyPr wrap="none" rtlCol="0">
+            <a:spAutoFit/>
+          </a:bodyPr>
+          <a:lstStyle/>
+          <a:p>
+            <a:r>
+              <a:rPr lang="en-US" sz="2400" dirty="0"/>
+              <a:t>Kolli </a:t>
+            </a:r>
+            <a:r>
+              <a:rPr lang="en-US" sz="2400" dirty="0" err="1"/>
+              <a:t>SivaKrishna</a:t>
+            </a:r>
+            <a:endParaRPr lang="en-US" sz="2400" dirty="0"/>
+          </a:p>
+          <a:p>
+            <a:r>
+              <a:rPr lang="en-US" sz="2400" dirty="0"/>
+              <a:t>700765428</a:t>
+            </a:r>
+            <a:endParaRPr lang="en-IN" sz="2400" dirty="0"/>
+          </a:p>
+        </p:txBody>
+      </p:sp>
+    </p:spTree>
+    <p:extLst>
+      <p:ext uri="{BB962C8B-B14F-4D97-AF65-F5344CB8AC3E}">
+        <p14:creationId xmlns:p14="http://schemas.microsoft.com/office/powerpoint/2010/main" val="1762774578"/>
+      </p:ext>
+    </p:extLst>
+  </p:cSld>
+  <p:clrMapOvr>
+    <a:masterClrMapping/>
+  </p:clrMapOvr>
+</p:sld>
+</file>
+
+<file path=ppt/slides/slide2.xml><?xml version="1.0" encoding="utf-8"?>
+<p:sld xmlns:a="http://schemas.openxmlformats.org/drawingml/2006/main" xmlns:r="http://schemas.openxmlformats.org/officeDocument/2006/relationships" xmlns:p="http://schemas.openxmlformats.org/presentationml/2006/main">
+  <p:cSld>
     <p:bg>
       <p:bgPr>
         <a:solidFill>
@@ -3792,7 +4011,7 @@
 </p:sld>
 </file>
 
-<file path=ppt/slides/slide2.xml><?xml version="1.0" encoding="utf-8"?>
+<file path=ppt/slides/slide3.xml><?xml version="1.0" encoding="utf-8"?>
 <p:sld xmlns:a="http://schemas.openxmlformats.org/drawingml/2006/main" xmlns:r="http://schemas.openxmlformats.org/officeDocument/2006/relationships" xmlns:p="http://schemas.openxmlformats.org/presentationml/2006/main">
   <p:cSld>
     <p:bg>
@@ -5199,7 +5418,7 @@
 </p:sld>
 </file>
 
-<file path=ppt/slides/slide3.xml><?xml version="1.0" encoding="utf-8"?>
+<file path=ppt/slides/slide4.xml><?xml version="1.0" encoding="utf-8"?>
 <p:sld xmlns:a="http://schemas.openxmlformats.org/drawingml/2006/main" xmlns:r="http://schemas.openxmlformats.org/officeDocument/2006/relationships" xmlns:p="http://schemas.openxmlformats.org/presentationml/2006/main">
   <p:cSld>
     <p:bg>
@@ -6229,7 +6448,7 @@
 </p:sld>
 </file>
 
-<file path=ppt/slides/slide4.xml><?xml version="1.0" encoding="utf-8"?>
+<file path=ppt/slides/slide5.xml><?xml version="1.0" encoding="utf-8"?>
 <p:sld xmlns:a="http://schemas.openxmlformats.org/drawingml/2006/main" xmlns:r="http://schemas.openxmlformats.org/officeDocument/2006/relationships" xmlns:p="http://schemas.openxmlformats.org/presentationml/2006/main">
   <p:cSld>
     <p:bg>
@@ -6687,7 +6906,7 @@
 </p:sld>
 </file>
 
-<file path=ppt/slides/slide5.xml><?xml version="1.0" encoding="utf-8"?>
+<file path=ppt/slides/slide6.xml><?xml version="1.0" encoding="utf-8"?>
 <p:sld xmlns:a="http://schemas.openxmlformats.org/drawingml/2006/main" xmlns:r="http://schemas.openxmlformats.org/officeDocument/2006/relationships" xmlns:p="http://schemas.openxmlformats.org/presentationml/2006/main">
   <p:cSld>
     <p:bg>
@@ -7231,7 +7450,7 @@
 </p:sld>
 </file>
 
-<file path=ppt/slides/slide6.xml><?xml version="1.0" encoding="utf-8"?>
+<file path=ppt/slides/slide7.xml><?xml version="1.0" encoding="utf-8"?>
 <p:sld xmlns:a="http://schemas.openxmlformats.org/drawingml/2006/main" xmlns:r="http://schemas.openxmlformats.org/officeDocument/2006/relationships" xmlns:p="http://schemas.openxmlformats.org/presentationml/2006/main">
   <p:cSld>
     <p:bg>
@@ -7573,7 +7792,7 @@
 </p:sld>
 </file>
 
-<file path=ppt/slides/slide7.xml><?xml version="1.0" encoding="utf-8"?>
+<file path=ppt/slides/slide8.xml><?xml version="1.0" encoding="utf-8"?>
 <p:sld xmlns:a="http://schemas.openxmlformats.org/drawingml/2006/main" xmlns:r="http://schemas.openxmlformats.org/officeDocument/2006/relationships" xmlns:p="http://schemas.openxmlformats.org/presentationml/2006/main">
   <p:cSld>
     <p:bg>
@@ -8276,4 +8495,187 @@
     </a:ext>
   </a:extLst>
 </a:theme>
+</file>
+
+<file path=customXml/item1.xml><?xml version="1.0" encoding="utf-8"?>
+<ct:contentTypeSchema xmlns:ct="http://schemas.microsoft.com/office/2006/metadata/contentType" xmlns:ma="http://schemas.microsoft.com/office/2006/metadata/properties/metaAttributes" ct:_="" ma:_="" ma:contentTypeName="Document" ma:contentTypeID="0x010100B4E27886C27BED4085DF6A007B5CE966" ma:contentTypeVersion="1" ma:contentTypeDescription="Create a new document." ma:contentTypeScope="" ma:versionID="814044dbb5f6006283360041725f06c9">
+  <xsd:schema xmlns:xsd="http://www.w3.org/2001/XMLSchema" xmlns:xs="http://www.w3.org/2001/XMLSchema" xmlns:p="http://schemas.microsoft.com/office/2006/metadata/properties" xmlns:ns3="aedb8ce3-96d8-4bb2-a6f2-2f28e8cbe01a" targetNamespace="http://schemas.microsoft.com/office/2006/metadata/properties" ma:root="true" ma:fieldsID="b3aed589f48f8fff7a7f952e7bacd796" ns3:_="">
+    <xsd:import namespace="aedb8ce3-96d8-4bb2-a6f2-2f28e8cbe01a"/>
+    <xsd:element name="properties">
+      <xsd:complexType>
+        <xsd:sequence>
+          <xsd:element name="documentManagement">
+            <xsd:complexType>
+              <xsd:all>
+                <xsd:element ref="ns3:MediaServiceDateTaken" minOccurs="0"/>
+              </xsd:all>
+            </xsd:complexType>
+          </xsd:element>
+        </xsd:sequence>
+      </xsd:complexType>
+    </xsd:element>
+  </xsd:schema>
+  <xsd:schema xmlns:xsd="http://www.w3.org/2001/XMLSchema" xmlns:xs="http://www.w3.org/2001/XMLSchema" xmlns:dms="http://schemas.microsoft.com/office/2006/documentManagement/types" xmlns:pc="http://schemas.microsoft.com/office/infopath/2007/PartnerControls" targetNamespace="aedb8ce3-96d8-4bb2-a6f2-2f28e8cbe01a" elementFormDefault="qualified">
+    <xsd:import namespace="http://schemas.microsoft.com/office/2006/documentManagement/types"/>
+    <xsd:import namespace="http://schemas.microsoft.com/office/infopath/2007/PartnerControls"/>
+    <xsd:element name="MediaServiceDateTaken" ma:index="8" nillable="true" ma:displayName="MediaServiceDateTaken" ma:hidden="true" ma:indexed="true" ma:internalName="MediaServiceDateTaken" ma:readOnly="true">
+      <xsd:simpleType>
+        <xsd:restriction base="dms:Text"/>
+      </xsd:simpleType>
+    </xsd:element>
+  </xsd:schema>
+  <xsd:schema xmlns="http://schemas.openxmlformats.org/package/2006/metadata/core-properties" xmlns:xsd="http://www.w3.org/2001/XMLSchema" xmlns:xsi="http://www.w3.org/2001/XMLSchema-instance" xmlns:dc="http://purl.org/dc/elements/1.1/" xmlns:dcterms="http://purl.org/dc/terms/" xmlns:odoc="http://schemas.microsoft.com/internal/obd" targetNamespace="http://schemas.openxmlformats.org/package/2006/metadata/core-properties" elementFormDefault="qualified" attributeFormDefault="unqualified" blockDefault="#all">
+    <xsd:import namespace="http://purl.org/dc/elements/1.1/" schemaLocation="http://dublincore.org/schemas/xmls/qdc/2003/04/02/dc.xsd"/>
+    <xsd:import namespace="http://purl.org/dc/terms/" schemaLocation="http://dublincore.org/schemas/xmls/qdc/2003/04/02/dcterms.xsd"/>
+    <xsd:element name="coreProperties" type="CT_coreProperties"/>
+    <xsd:complexType name="CT_coreProperties">
+      <xsd:all>
+        <xsd:element ref="dc:creator" minOccurs="0" maxOccurs="1"/>
+        <xsd:element ref="dcterms:created" minOccurs="0" maxOccurs="1"/>
+        <xsd:element ref="dc:identifier" minOccurs="0" maxOccurs="1"/>
+        <xsd:element name="contentType" minOccurs="0" maxOccurs="1" type="xsd:string" ma:index="0" ma:displayName="Content Type"/>
+        <xsd:element ref="dc:title" minOccurs="0" maxOccurs="1" ma:index="4" ma:displayName="Title"/>
+        <xsd:element ref="dc:subject" minOccurs="0" maxOccurs="1"/>
+        <xsd:element ref="dc:description" minOccurs="0" maxOccurs="1"/>
+        <xsd:element name="keywords" minOccurs="0" maxOccurs="1" type="xsd:string"/>
+        <xsd:element ref="dc:language" minOccurs="0" maxOccurs="1"/>
+        <xsd:element name="category" minOccurs="0" maxOccurs="1" type="xsd:string"/>
+        <xsd:element name="version" minOccurs="0" maxOccurs="1" type="xsd:string"/>
+        <xsd:element name="revision" minOccurs="0" maxOccurs="1" type="xsd:string">
+          <xsd:annotation>
+            <xsd:documentation>
+                        This value indicates the number of saves or revisions. The application is responsible for updating this value after each revision.
+                    </xsd:documentation>
+          </xsd:annotation>
+        </xsd:element>
+        <xsd:element name="lastModifiedBy" minOccurs="0" maxOccurs="1" type="xsd:string"/>
+        <xsd:element ref="dcterms:modified" minOccurs="0" maxOccurs="1"/>
+        <xsd:element name="contentStatus" minOccurs="0" maxOccurs="1" type="xsd:string"/>
+      </xsd:all>
+    </xsd:complexType>
+  </xsd:schema>
+  <xs:schema xmlns:pc="http://schemas.microsoft.com/office/infopath/2007/PartnerControls" xmlns:xs="http://www.w3.org/2001/XMLSchema" targetNamespace="http://schemas.microsoft.com/office/infopath/2007/PartnerControls" elementFormDefault="qualified" attributeFormDefault="unqualified">
+    <xs:element name="Person">
+      <xs:complexType>
+        <xs:sequence>
+          <xs:element ref="pc:DisplayName" minOccurs="0"/>
+          <xs:element ref="pc:AccountId" minOccurs="0"/>
+          <xs:element ref="pc:AccountType" minOccurs="0"/>
+        </xs:sequence>
+      </xs:complexType>
+    </xs:element>
+    <xs:element name="DisplayName" type="xs:string"/>
+    <xs:element name="AccountId" type="xs:string"/>
+    <xs:element name="AccountType" type="xs:string"/>
+    <xs:element name="BDCAssociatedEntity">
+      <xs:complexType>
+        <xs:sequence>
+          <xs:element ref="pc:BDCEntity" minOccurs="0" maxOccurs="unbounded"/>
+        </xs:sequence>
+        <xs:attribute ref="pc:EntityNamespace"/>
+        <xs:attribute ref="pc:EntityName"/>
+        <xs:attribute ref="pc:SystemInstanceName"/>
+        <xs:attribute ref="pc:AssociationName"/>
+      </xs:complexType>
+    </xs:element>
+    <xs:attribute name="EntityNamespace" type="xs:string"/>
+    <xs:attribute name="EntityName" type="xs:string"/>
+    <xs:attribute name="SystemInstanceName" type="xs:string"/>
+    <xs:attribute name="AssociationName" type="xs:string"/>
+    <xs:element name="BDCEntity">
+      <xs:complexType>
+        <xs:sequence>
+          <xs:element ref="pc:EntityDisplayName" minOccurs="0"/>
+          <xs:element ref="pc:EntityInstanceReference" minOccurs="0"/>
+          <xs:element ref="pc:EntityId1" minOccurs="0"/>
+          <xs:element ref="pc:EntityId2" minOccurs="0"/>
+          <xs:element ref="pc:EntityId3" minOccurs="0"/>
+          <xs:element ref="pc:EntityId4" minOccurs="0"/>
+          <xs:element ref="pc:EntityId5" minOccurs="0"/>
+        </xs:sequence>
+      </xs:complexType>
+    </xs:element>
+    <xs:element name="EntityDisplayName" type="xs:string"/>
+    <xs:element name="EntityInstanceReference" type="xs:string"/>
+    <xs:element name="EntityId1" type="xs:string"/>
+    <xs:element name="EntityId2" type="xs:string"/>
+    <xs:element name="EntityId3" type="xs:string"/>
+    <xs:element name="EntityId4" type="xs:string"/>
+    <xs:element name="EntityId5" type="xs:string"/>
+    <xs:element name="Terms">
+      <xs:complexType>
+        <xs:sequence>
+          <xs:element ref="pc:TermInfo" minOccurs="0" maxOccurs="unbounded"/>
+        </xs:sequence>
+      </xs:complexType>
+    </xs:element>
+    <xs:element name="TermInfo">
+      <xs:complexType>
+        <xs:sequence>
+          <xs:element ref="pc:TermName" minOccurs="0"/>
+          <xs:element ref="pc:TermId" minOccurs="0"/>
+        </xs:sequence>
+      </xs:complexType>
+    </xs:element>
+    <xs:element name="TermName" type="xs:string"/>
+    <xs:element name="TermId" type="xs:string"/>
+  </xs:schema>
+</ct:contentTypeSchema>
+</file>
+
+<file path=customXml/item2.xml><?xml version="1.0" encoding="utf-8"?>
+<?mso-contentType ?>
+<FormTemplates xmlns="http://schemas.microsoft.com/sharepoint/v3/contenttype/forms">
+  <Display>DocumentLibraryForm</Display>
+  <Edit>DocumentLibraryForm</Edit>
+  <New>DocumentLibraryForm</New>
+</FormTemplates>
+</file>
+
+<file path=customXml/item3.xml><?xml version="1.0" encoding="utf-8"?>
+<p:properties xmlns:p="http://schemas.microsoft.com/office/2006/metadata/properties" xmlns:xsi="http://www.w3.org/2001/XMLSchema-instance" xmlns:pc="http://schemas.microsoft.com/office/infopath/2007/PartnerControls">
+  <documentManagement/>
+</p:properties>
+</file>
+
+<file path=customXml/itemProps1.xml><?xml version="1.0" encoding="utf-8"?>
+<ds:datastoreItem xmlns:ds="http://schemas.openxmlformats.org/officeDocument/2006/customXml" ds:itemID="{6C1484D2-075C-4340-BDBA-68691E61AF33}">
+  <ds:schemaRefs>
+    <ds:schemaRef ds:uri="http://schemas.microsoft.com/office/2006/metadata/contentType"/>
+    <ds:schemaRef ds:uri="http://schemas.microsoft.com/office/2006/metadata/properties/metaAttributes"/>
+    <ds:schemaRef ds:uri="http://www.w3.org/2001/XMLSchema"/>
+    <ds:schemaRef ds:uri="http://schemas.microsoft.com/office/2006/metadata/properties"/>
+    <ds:schemaRef ds:uri="aedb8ce3-96d8-4bb2-a6f2-2f28e8cbe01a"/>
+    <ds:schemaRef ds:uri="http://schemas.microsoft.com/office/2006/documentManagement/types"/>
+    <ds:schemaRef ds:uri="http://schemas.microsoft.com/office/infopath/2007/PartnerControls"/>
+    <ds:schemaRef ds:uri="http://schemas.openxmlformats.org/package/2006/metadata/core-properties"/>
+    <ds:schemaRef ds:uri="http://purl.org/dc/elements/1.1/"/>
+    <ds:schemaRef ds:uri="http://purl.org/dc/terms/"/>
+    <ds:schemaRef ds:uri="http://schemas.microsoft.com/internal/obd"/>
+  </ds:schemaRefs>
+</ds:datastoreItem>
+</file>
+
+<file path=customXml/itemProps2.xml><?xml version="1.0" encoding="utf-8"?>
+<ds:datastoreItem xmlns:ds="http://schemas.openxmlformats.org/officeDocument/2006/customXml" ds:itemID="{508EAE63-5DB8-4204-865C-5CE0E7C7ECD3}">
+  <ds:schemaRefs>
+    <ds:schemaRef ds:uri="http://schemas.microsoft.com/sharepoint/v3/contenttype/forms"/>
+  </ds:schemaRefs>
+</ds:datastoreItem>
+</file>
+
+<file path=customXml/itemProps3.xml><?xml version="1.0" encoding="utf-8"?>
+<ds:datastoreItem xmlns:ds="http://schemas.openxmlformats.org/officeDocument/2006/customXml" ds:itemID="{11CBF4EA-677D-4F31-8484-6380CD94535C}">
+  <ds:schemaRefs>
+    <ds:schemaRef ds:uri="http://purl.org/dc/elements/1.1/"/>
+    <ds:schemaRef ds:uri="http://schemas.microsoft.com/office/2006/metadata/properties"/>
+    <ds:schemaRef ds:uri="aedb8ce3-96d8-4bb2-a6f2-2f28e8cbe01a"/>
+    <ds:schemaRef ds:uri="http://purl.org/dc/terms/"/>
+    <ds:schemaRef ds:uri="http://schemas.openxmlformats.org/package/2006/metadata/core-properties"/>
+    <ds:schemaRef ds:uri="http://schemas.microsoft.com/office/2006/documentManagement/types"/>
+    <ds:schemaRef ds:uri="http://schemas.microsoft.com/office/infopath/2007/PartnerControls"/>
+    <ds:schemaRef ds:uri="http://www.w3.org/XML/1998/namespace"/>
+    <ds:schemaRef ds:uri="http://purl.org/dc/dcmitype/"/>
+  </ds:schemaRefs>
+</ds:datastoreItem>
 </file>